--- a/03_webapp/docs/!イントロダクション.pptx
+++ b/03_webapp/docs/!イントロダクション.pptx
@@ -5,13 +5,14 @@
     <p:sldMasterId id="2147483656" r:id="rId1"/>
   </p:sldMasterIdLst>
   <p:notesMasterIdLst>
-    <p:notesMasterId r:id="rId6"/>
+    <p:notesMasterId r:id="rId7"/>
   </p:notesMasterIdLst>
   <p:sldIdLst>
     <p:sldId id="268" r:id="rId2"/>
     <p:sldId id="267" r:id="rId3"/>
     <p:sldId id="269" r:id="rId4"/>
-    <p:sldId id="270" r:id="rId5"/>
+    <p:sldId id="272" r:id="rId5"/>
+    <p:sldId id="270" r:id="rId6"/>
   </p:sldIdLst>
   <p:sldSz cx="12192000" cy="6858000"/>
   <p:notesSz cx="6858000" cy="9144000"/>
@@ -118,6 +119,7 @@
             <p14:sldId id="268"/>
             <p14:sldId id="267"/>
             <p14:sldId id="269"/>
+            <p14:sldId id="272"/>
             <p14:sldId id="270"/>
           </p14:sldIdLst>
         </p14:section>
@@ -854,7 +856,7 @@
           <a:p>
             <a:fld id="{7353184A-AC48-448C-8BE2-941BD03D1848}" type="datetimeFigureOut">
               <a:rPr kumimoji="1" lang="ja-JP" altLang="en-US" smtClean="0"/>
-              <a:t>2023/4/5</a:t>
+              <a:t>2023/4/10</a:t>
             </a:fld>
             <a:endParaRPr kumimoji="1" lang="ja-JP" altLang="en-US"/>
           </a:p>
@@ -2444,7 +2446,7 @@
             <a:fld id="{373E9D23-D838-4192-BA53-C325838A3FAB}" type="datetime1">
               <a:rPr lang="ja-JP" altLang="en-US" smtClean="0"/>
               <a:pPr/>
-              <a:t>2023/4/5</a:t>
+              <a:t>2023/4/10</a:t>
             </a:fld>
             <a:endParaRPr lang="ja-JP" altLang="en-US" dirty="0"/>
           </a:p>
@@ -3102,7 +3104,7 @@
             </a:br>
             <a:r>
               <a:rPr lang="ja-JP" altLang="en-US" dirty="0"/>
-              <a:t>イントロダクション</a:t>
+              <a:t>進め方</a:t>
             </a:r>
           </a:p>
         </p:txBody>
@@ -3239,7 +3241,12 @@
             <p:ph sz="quarter" idx="13"/>
           </p:nvPr>
         </p:nvSpPr>
-        <p:spPr/>
+        <p:spPr>
+          <a:xfrm>
+            <a:off x="219940" y="722166"/>
+            <a:ext cx="11429055" cy="5447975"/>
+          </a:xfrm>
+        </p:spPr>
         <p:txBody>
           <a:bodyPr/>
           <a:lstStyle/>
@@ -3257,7 +3264,7 @@
           <a:p>
             <a:r>
               <a:rPr lang="ja-JP" altLang="en-US" dirty="0"/>
-              <a:t>管理する情報は次の通りです。</a:t>
+              <a:t>このシステムで管理する情報は次の通りです。</a:t>
             </a:r>
             <a:endParaRPr lang="en-US" altLang="ja-JP" dirty="0"/>
           </a:p>
@@ -3265,7 +3272,7 @@
             <a:pPr lvl="1"/>
             <a:r>
               <a:rPr lang="ja-JP" altLang="en-US" dirty="0"/>
-              <a:t>加入者情報：サービス加入者の基本的な情報を管理します。</a:t>
+              <a:t>加入者情報：サービス加入者の基本的な個人情報を管理します。</a:t>
             </a:r>
             <a:endParaRPr lang="en-US" altLang="ja-JP" dirty="0"/>
           </a:p>
@@ -3273,7 +3280,7 @@
             <a:pPr lvl="1"/>
             <a:r>
               <a:rPr lang="ja-JP" altLang="en-US" dirty="0"/>
-              <a:t>料金情報：サービスの料金情報を管理します。</a:t>
+              <a:t>料金情報：サービスにおけるの料金情報を管理します。</a:t>
             </a:r>
             <a:endParaRPr lang="en-US" altLang="ja-JP" dirty="0"/>
           </a:p>
@@ -3281,7 +3288,15 @@
             <a:pPr lvl="1"/>
             <a:r>
               <a:rPr lang="ja-JP" altLang="en-US" dirty="0"/>
-              <a:t>請求データ：加入者に対して料金を請求するために毎月作成します。</a:t>
+              <a:t>適用料金情報：加入者毎に適用されている料金を管理します。</a:t>
+            </a:r>
+            <a:endParaRPr lang="en-US" altLang="ja-JP" dirty="0"/>
+          </a:p>
+          <a:p>
+            <a:pPr lvl="1"/>
+            <a:r>
+              <a:rPr lang="ja-JP" altLang="en-US" dirty="0"/>
+              <a:t>請求データ：加入者に前月分の利用料金を請求するための情報です。</a:t>
             </a:r>
             <a:endParaRPr lang="en-US" altLang="ja-JP" dirty="0"/>
           </a:p>
@@ -3614,6 +3629,208 @@
           <p:cNvPr id="2" name="タイトル 1">
             <a:extLst>
               <a:ext uri="{FF2B5EF4-FFF2-40B4-BE49-F238E27FC236}">
+                <a16:creationId xmlns:a16="http://schemas.microsoft.com/office/drawing/2014/main" id="{31F02FB7-72CB-85B6-5E1C-A61A9424BF3E}"/>
+              </a:ext>
+            </a:extLst>
+          </p:cNvPr>
+          <p:cNvSpPr>
+            <a:spLocks noGrp="1"/>
+          </p:cNvSpPr>
+          <p:nvPr>
+            <p:ph type="title"/>
+          </p:nvPr>
+        </p:nvSpPr>
+        <p:spPr/>
+        <p:txBody>
+          <a:bodyPr/>
+          <a:lstStyle/>
+          <a:p>
+            <a:r>
+              <a:rPr kumimoji="1" lang="ja-JP" altLang="en-US" dirty="0"/>
+              <a:t>実習の流れ</a:t>
+            </a:r>
+          </a:p>
+        </p:txBody>
+      </p:sp>
+      <p:sp>
+        <p:nvSpPr>
+          <p:cNvPr id="3" name="フッター プレースホルダー 2">
+            <a:extLst>
+              <a:ext uri="{FF2B5EF4-FFF2-40B4-BE49-F238E27FC236}">
+                <a16:creationId xmlns:a16="http://schemas.microsoft.com/office/drawing/2014/main" id="{A51359CB-ED52-1D31-81AC-35D5896CE2D0}"/>
+              </a:ext>
+            </a:extLst>
+          </p:cNvPr>
+          <p:cNvSpPr>
+            <a:spLocks noGrp="1"/>
+          </p:cNvSpPr>
+          <p:nvPr>
+            <p:ph type="ftr" sz="quarter" idx="11"/>
+          </p:nvPr>
+        </p:nvSpPr>
+        <p:spPr/>
+        <p:txBody>
+          <a:bodyPr/>
+          <a:lstStyle/>
+          <a:p>
+            <a:r>
+              <a:rPr lang="ja-JP" altLang="en-US"/>
+              <a:t>システム技研株式会社</a:t>
+            </a:r>
+            <a:endParaRPr lang="ja-JP" altLang="en-US" dirty="0"/>
+          </a:p>
+        </p:txBody>
+      </p:sp>
+      <p:sp>
+        <p:nvSpPr>
+          <p:cNvPr id="4" name="スライド番号プレースホルダー 3">
+            <a:extLst>
+              <a:ext uri="{FF2B5EF4-FFF2-40B4-BE49-F238E27FC236}">
+                <a16:creationId xmlns:a16="http://schemas.microsoft.com/office/drawing/2014/main" id="{4B71727E-D651-E45B-BFDB-4D195AD4F744}"/>
+              </a:ext>
+            </a:extLst>
+          </p:cNvPr>
+          <p:cNvSpPr>
+            <a:spLocks noGrp="1"/>
+          </p:cNvSpPr>
+          <p:nvPr>
+            <p:ph type="sldNum" sz="quarter" idx="12"/>
+          </p:nvPr>
+        </p:nvSpPr>
+        <p:spPr/>
+        <p:txBody>
+          <a:bodyPr/>
+          <a:lstStyle/>
+          <a:p>
+            <a:fld id="{C5ED3503-BAF3-453D-83BE-D7796F3996D8}" type="slidenum">
+              <a:rPr lang="ja-JP" altLang="en-US" smtClean="0"/>
+              <a:pPr/>
+              <a:t>4</a:t>
+            </a:fld>
+            <a:endParaRPr lang="ja-JP" altLang="en-US" dirty="0"/>
+          </a:p>
+        </p:txBody>
+      </p:sp>
+      <p:sp>
+        <p:nvSpPr>
+          <p:cNvPr id="5" name="コンテンツ プレースホルダー 4">
+            <a:extLst>
+              <a:ext uri="{FF2B5EF4-FFF2-40B4-BE49-F238E27FC236}">
+                <a16:creationId xmlns:a16="http://schemas.microsoft.com/office/drawing/2014/main" id="{AA5DE6FA-FC7E-2178-FF9B-26A7CDE443D7}"/>
+              </a:ext>
+            </a:extLst>
+          </p:cNvPr>
+          <p:cNvSpPr>
+            <a:spLocks noGrp="1"/>
+          </p:cNvSpPr>
+          <p:nvPr>
+            <p:ph sz="quarter" idx="13"/>
+          </p:nvPr>
+        </p:nvSpPr>
+        <p:spPr/>
+        <p:txBody>
+          <a:bodyPr/>
+          <a:lstStyle/>
+          <a:p>
+            <a:pPr marL="514350" indent="-514350">
+              <a:buFont typeface="+mj-lt"/>
+              <a:buAutoNum type="arabicPeriod"/>
+            </a:pPr>
+            <a:r>
+              <a:rPr kumimoji="1" lang="ja-JP" altLang="en-US" dirty="0"/>
+              <a:t>開発環境を準備</a:t>
+            </a:r>
+            <a:endParaRPr kumimoji="1" lang="en-US" altLang="ja-JP" dirty="0"/>
+          </a:p>
+          <a:p>
+            <a:pPr marL="514350" indent="-514350">
+              <a:buFont typeface="+mj-lt"/>
+              <a:buAutoNum type="arabicPeriod"/>
+            </a:pPr>
+            <a:r>
+              <a:rPr lang="ja-JP" altLang="en-US" dirty="0"/>
+              <a:t>サービス管理システムの理解</a:t>
+            </a:r>
+            <a:endParaRPr lang="en-US" altLang="ja-JP" dirty="0"/>
+          </a:p>
+          <a:p>
+            <a:pPr marL="514350" indent="-514350">
+              <a:buFont typeface="+mj-lt"/>
+              <a:buAutoNum type="arabicPeriod"/>
+            </a:pPr>
+            <a:r>
+              <a:rPr lang="ja-JP" altLang="en-US" dirty="0"/>
+              <a:t>加入者情報検索機能における検索項目の追加</a:t>
+            </a:r>
+            <a:endParaRPr lang="en-US" altLang="ja-JP" dirty="0"/>
+          </a:p>
+          <a:p>
+            <a:pPr marL="514350" indent="-514350">
+              <a:buFont typeface="+mj-lt"/>
+              <a:buAutoNum type="arabicPeriod"/>
+            </a:pPr>
+            <a:r>
+              <a:rPr kumimoji="1" lang="ja-JP" altLang="en-US" dirty="0"/>
+              <a:t>料金検索条件入力画面</a:t>
+            </a:r>
+            <a:r>
+              <a:rPr kumimoji="1" lang="en-US" altLang="ja-JP" dirty="0"/>
+              <a:t>(KAP020V000)</a:t>
+            </a:r>
+            <a:r>
+              <a:rPr kumimoji="1" lang="ja-JP" altLang="en-US" dirty="0"/>
+              <a:t>と機能の作成</a:t>
+            </a:r>
+            <a:endParaRPr kumimoji="1" lang="en-US" altLang="ja-JP" dirty="0"/>
+          </a:p>
+          <a:p>
+            <a:pPr marL="514350" indent="-514350">
+              <a:buFont typeface="+mj-lt"/>
+              <a:buAutoNum type="arabicPeriod"/>
+            </a:pPr>
+            <a:r>
+              <a:rPr lang="ja-JP" altLang="en-US" dirty="0"/>
+              <a:t>料金</a:t>
+            </a:r>
+            <a:endParaRPr kumimoji="1" lang="en-US" altLang="ja-JP" dirty="0"/>
+          </a:p>
+        </p:txBody>
+      </p:sp>
+    </p:spTree>
+    <p:extLst>
+      <p:ext uri="{BB962C8B-B14F-4D97-AF65-F5344CB8AC3E}">
+        <p14:creationId xmlns:p14="http://schemas.microsoft.com/office/powerpoint/2010/main" val="2608529184"/>
+      </p:ext>
+    </p:extLst>
+  </p:cSld>
+  <p:clrMapOvr>
+    <a:masterClrMapping/>
+  </p:clrMapOvr>
+</p:sld>
+</file>
+
+<file path=ppt/slides/slide5.xml><?xml version="1.0" encoding="utf-8"?>
+<p:sld xmlns:a="http://schemas.openxmlformats.org/drawingml/2006/main" xmlns:r="http://schemas.openxmlformats.org/officeDocument/2006/relationships" xmlns:p="http://schemas.openxmlformats.org/presentationml/2006/main">
+  <p:cSld>
+    <p:spTree>
+      <p:nvGrpSpPr>
+        <p:cNvPr id="1" name=""/>
+        <p:cNvGrpSpPr/>
+        <p:nvPr/>
+      </p:nvGrpSpPr>
+      <p:grpSpPr>
+        <a:xfrm>
+          <a:off x="0" y="0"/>
+          <a:ext cx="0" cy="0"/>
+          <a:chOff x="0" y="0"/>
+          <a:chExt cx="0" cy="0"/>
+        </a:xfrm>
+      </p:grpSpPr>
+      <p:sp>
+        <p:nvSpPr>
+          <p:cNvPr id="2" name="タイトル 1">
+            <a:extLst>
+              <a:ext uri="{FF2B5EF4-FFF2-40B4-BE49-F238E27FC236}">
                 <a16:creationId xmlns:a16="http://schemas.microsoft.com/office/drawing/2014/main" id="{B86516E6-46B8-015E-CBFD-F19846495DF5}"/>
               </a:ext>
             </a:extLst>
@@ -3702,7 +3919,7 @@
             <a:fld id="{C5ED3503-BAF3-453D-83BE-D7796F3996D8}" type="slidenum">
               <a:rPr lang="ja-JP" altLang="en-US" smtClean="0"/>
               <a:pPr/>
-              <a:t>4</a:t>
+              <a:t>5</a:t>
             </a:fld>
             <a:endParaRPr lang="ja-JP" altLang="en-US" dirty="0"/>
           </a:p>
